--- a/_files/msse-intro.pptx
+++ b/_files/msse-intro.pptx
@@ -248,7 +248,7 @@
               <a:rPr lang="en-US" smtClean="0">
                 <a:latin typeface="Lucida Grande Regular" panose="020B0600040502020204" pitchFamily="34" charset="0"/>
               </a:rPr>
-              <a:t>7/30/2023</a:t>
+              <a:t>7/31/2023</a:t>
             </a:fld>
             <a:endParaRPr lang="en-US" dirty="0">
               <a:latin typeface="Lucida Grande Regular" panose="020B0600040502020204" pitchFamily="34" charset="0"/>
@@ -427,7 +427,7 @@
             <a:fld id="{5F53F6BF-7462-9046-A2B6-90C29244BD27}" type="datetimeFigureOut">
               <a:rPr lang="en-US" smtClean="0"/>
               <a:pPr/>
-              <a:t>7/30/2023</a:t>
+              <a:t>7/31/2023</a:t>
             </a:fld>
             <a:endParaRPr lang="en-US" dirty="0"/>
           </a:p>
@@ -7158,7 +7158,7 @@
         </p:blipFill>
         <p:spPr>
           <a:xfrm>
-            <a:off x="2460135" y="1418053"/>
+            <a:off x="777639" y="1418056"/>
             <a:ext cx="2892391" cy="2847478"/>
           </a:xfrm>
           <a:prstGeom prst="rect">
@@ -7188,7 +7188,7 @@
         </p:blipFill>
         <p:spPr>
           <a:xfrm>
-            <a:off x="6839478" y="1418053"/>
+            <a:off x="4342140" y="1408912"/>
             <a:ext cx="3283498" cy="2847478"/>
           </a:xfrm>
           <a:prstGeom prst="rect">
@@ -7210,7 +7210,7 @@
         </p:nvSpPr>
         <p:spPr>
           <a:xfrm>
-            <a:off x="2600831" y="4428782"/>
+            <a:off x="691563" y="4428125"/>
             <a:ext cx="2610997" cy="369332"/>
           </a:xfrm>
           <a:prstGeom prst="rect">
@@ -7251,7 +7251,7 @@
         </p:nvSpPr>
         <p:spPr>
           <a:xfrm>
-            <a:off x="7175731" y="4428782"/>
+            <a:off x="4678390" y="4428782"/>
             <a:ext cx="2610997" cy="369332"/>
           </a:xfrm>
           <a:prstGeom prst="rect">
@@ -7273,7 +7273,81 @@
                 </a:solidFill>
                 <a:latin typeface="FreightMicro Pro Book" panose="02000603020000020004" pitchFamily="2" charset="0"/>
               </a:rPr>
-              <a:t>Dr. Benjamin Pritchard</a:t>
+              <a:t>Dr. Ben Pritchard</a:t>
+            </a:r>
+          </a:p>
+        </p:txBody>
+      </p:sp>
+      <p:pic>
+        <p:nvPicPr>
+          <p:cNvPr id="2" name="Picture 1">
+            <a:extLst>
+              <a:ext uri="{FF2B5EF4-FFF2-40B4-BE49-F238E27FC236}">
+                <a16:creationId xmlns:a16="http://schemas.microsoft.com/office/drawing/2014/main" id="{78A2651C-CCCE-9D5E-6561-F1FBF137E94F}"/>
+              </a:ext>
+            </a:extLst>
+          </p:cNvPr>
+          <p:cNvPicPr>
+            <a:picLocks noChangeAspect="1"/>
+          </p:cNvPicPr>
+          <p:nvPr/>
+        </p:nvPicPr>
+        <p:blipFill rotWithShape="1">
+          <a:blip r:embed="rId6"/>
+          <a:srcRect l="8314" t="16640" r="5499" b="18080"/>
+          <a:stretch/>
+        </p:blipFill>
+        <p:spPr>
+          <a:xfrm>
+            <a:off x="8415961" y="1462493"/>
+            <a:ext cx="2731560" cy="2758604"/>
+          </a:xfrm>
+          <a:prstGeom prst="ellipse">
+            <a:avLst/>
+          </a:prstGeom>
+          <a:ln>
+            <a:noFill/>
+          </a:ln>
+          <a:effectLst/>
+        </p:spPr>
+      </p:pic>
+      <p:sp>
+        <p:nvSpPr>
+          <p:cNvPr id="4" name="TextBox 3">
+            <a:extLst>
+              <a:ext uri="{FF2B5EF4-FFF2-40B4-BE49-F238E27FC236}">
+                <a16:creationId xmlns:a16="http://schemas.microsoft.com/office/drawing/2014/main" id="{703E3E2C-9444-7602-41EB-4849F062BCB4}"/>
+              </a:ext>
+            </a:extLst>
+          </p:cNvPr>
+          <p:cNvSpPr txBox="1"/>
+          <p:nvPr/>
+        </p:nvSpPr>
+        <p:spPr>
+          <a:xfrm>
+            <a:off x="8415961" y="4493686"/>
+            <a:ext cx="2610997" cy="369332"/>
+          </a:xfrm>
+          <a:prstGeom prst="rect">
+            <a:avLst/>
+          </a:prstGeom>
+          <a:noFill/>
+        </p:spPr>
+        <p:txBody>
+          <a:bodyPr wrap="square" rtlCol="0">
+            <a:spAutoFit/>
+          </a:bodyPr>
+          <a:lstStyle/>
+          <a:p>
+            <a:pPr algn="ctr"/>
+            <a:r>
+              <a:rPr lang="en-US" b="1" dirty="0">
+                <a:solidFill>
+                  <a:srgbClr val="003262"/>
+                </a:solidFill>
+                <a:latin typeface="FreightMicro Pro Book" panose="02000603020000020004" pitchFamily="2" charset="0"/>
+              </a:rPr>
+              <a:t>Dr. Sam Ellis</a:t>
             </a:r>
           </a:p>
         </p:txBody>
@@ -7975,8 +8049,17 @@
               <a:rPr lang="en-US" dirty="0">
                 <a:latin typeface="FreightSans Pro Book" panose="02000606030000020004" pitchFamily="2" charset="0"/>
               </a:rPr>
-              <a:t>Individual programming challenges. To be completed on your own (4 total).</a:t>
-            </a:r>
+              <a:t>Individual programming challenges. To be completed on your own (4 total). Quizzes</a:t>
+            </a:r>
+            <a:r>
+              <a:rPr lang="en-US">
+                <a:latin typeface="FreightSans Pro Book" panose="02000606030000020004" pitchFamily="2" charset="0"/>
+              </a:rPr>
+              <a:t>, attendance.</a:t>
+            </a:r>
+            <a:endParaRPr lang="en-US" dirty="0">
+              <a:latin typeface="FreightSans Pro Book" panose="02000606030000020004" pitchFamily="2" charset="0"/>
+            </a:endParaRPr>
           </a:p>
           <a:p>
             <a:pPr algn="ctr"/>
@@ -8174,7 +8257,7 @@
         <p:spPr>
           <a:xfrm>
             <a:off x="609600" y="1663701"/>
-            <a:ext cx="9232423" cy="3447098"/>
+            <a:ext cx="9232423" cy="4370427"/>
           </a:xfrm>
           <a:prstGeom prst="rect">
             <a:avLst/>
@@ -8212,7 +8295,22 @@
                 <a:effectLst/>
                 <a:latin typeface="FreightSans Pro Book" panose="02000606030000020004" pitchFamily="50" charset="0"/>
               </a:rPr>
-              <a:t>4 individual coding challenges (10 points each)</a:t>
+              <a:t>4 individual coding challenges</a:t>
+            </a:r>
+          </a:p>
+          <a:p>
+            <a:pPr marL="742950" lvl="1" indent="-285750" algn="l">
+              <a:buFont typeface="Arial" panose="020B0604020202020204" pitchFamily="34" charset="0"/>
+              <a:buChar char="•"/>
+            </a:pPr>
+            <a:r>
+              <a:rPr lang="en-US" sz="2000" dirty="0">
+                <a:solidFill>
+                  <a:srgbClr val="333333"/>
+                </a:solidFill>
+                <a:latin typeface="FreightSans Pro Book" panose="02000606030000020004" pitchFamily="50" charset="0"/>
+              </a:rPr>
+              <a:t>Quizzes, assignments, attendance</a:t>
             </a:r>
           </a:p>
           <a:p>
@@ -8244,15 +8342,6 @@
               <a:buChar char="•"/>
             </a:pPr>
             <a:r>
-              <a:rPr lang="en-US" sz="2000" dirty="0">
-                <a:solidFill>
-                  <a:srgbClr val="333333"/>
-                </a:solidFill>
-                <a:latin typeface="FreightSans Pro Book" panose="02000606030000020004" pitchFamily="50" charset="0"/>
-              </a:rPr>
-              <a:t>7</a:t>
-            </a:r>
-            <a:r>
               <a:rPr lang="en-US" sz="2000" b="0" i="0" dirty="0">
                 <a:solidFill>
                   <a:srgbClr val="333333"/>
@@ -8260,7 +8349,7 @@
                 <a:effectLst/>
                 <a:latin typeface="FreightSans Pro Book" panose="02000606030000020004" pitchFamily="50" charset="0"/>
               </a:rPr>
-              <a:t> group coding assignments (5 points each)</a:t>
+              <a:t>6 group coding assignments </a:t>
             </a:r>
           </a:p>
           <a:p>
@@ -8324,6 +8413,34 @@
               </a:rPr>
               <a:t>Final project &amp; presentation: 15%</a:t>
             </a:r>
+          </a:p>
+          <a:p>
+            <a:pPr marL="800100" lvl="1" indent="-342900">
+              <a:buFont typeface="Arial" panose="020B0604020202020204" pitchFamily="34" charset="0"/>
+              <a:buChar char="•"/>
+            </a:pPr>
+            <a:r>
+              <a:rPr lang="en-US" sz="2000" dirty="0">
+                <a:latin typeface="FreightSans Pro Book" panose="02000606030000020004" pitchFamily="50" charset="0"/>
+              </a:rPr>
+              <a:t>You should record the final project presentation and turn it in on </a:t>
+            </a:r>
+            <a:r>
+              <a:rPr lang="en-US" sz="2000" dirty="0" err="1">
+                <a:latin typeface="FreightSans Pro Book" panose="02000606030000020004" pitchFamily="50" charset="0"/>
+              </a:rPr>
+              <a:t>bCourses</a:t>
+            </a:r>
+            <a:r>
+              <a:rPr lang="en-US" sz="2000" dirty="0">
+                <a:latin typeface="FreightSans Pro Book" panose="02000606030000020004" pitchFamily="50" charset="0"/>
+              </a:rPr>
+              <a:t>. Due at the end of day on the last day of class (we will not meet on Friday, August 11)</a:t>
+            </a:r>
+            <a:endParaRPr lang="en-US" sz="2000" i="0" dirty="0">
+              <a:effectLst/>
+              <a:latin typeface="FreightSans Pro Book" panose="02000606030000020004" pitchFamily="50" charset="0"/>
+            </a:endParaRPr>
           </a:p>
           <a:p>
             <a:endParaRPr lang="en-US" b="1" dirty="0">

--- a/_files/msse-intro.pptx
+++ b/_files/msse-intro.pptx
@@ -248,7 +248,7 @@
               <a:rPr lang="en-US" smtClean="0">
                 <a:latin typeface="Lucida Grande Regular" panose="020B0600040502020204" pitchFamily="34" charset="0"/>
               </a:rPr>
-              <a:t>7/31/2023</a:t>
+              <a:t>8/5/2024</a:t>
             </a:fld>
             <a:endParaRPr lang="en-US" dirty="0">
               <a:latin typeface="Lucida Grande Regular" panose="020B0600040502020204" pitchFamily="34" charset="0"/>
@@ -427,7 +427,7 @@
             <a:fld id="{5F53F6BF-7462-9046-A2B6-90C29244BD27}" type="datetimeFigureOut">
               <a:rPr lang="en-US" smtClean="0"/>
               <a:pPr/>
-              <a:t>7/31/2023</a:t>
+              <a:t>8/5/2024</a:t>
             </a:fld>
             <a:endParaRPr lang="en-US" dirty="0"/>
           </a:p>
@@ -5724,8 +5724,8 @@
         </p:nvSpPr>
         <p:spPr>
           <a:xfrm>
-            <a:off x="3775352" y="6010791"/>
-            <a:ext cx="3001143" cy="707886"/>
+            <a:off x="3775352" y="6157095"/>
+            <a:ext cx="2548326" cy="400110"/>
           </a:xfrm>
           <a:prstGeom prst="rect">
             <a:avLst/>
@@ -5747,18 +5747,6 @@
                 <a:cs typeface="Lucida Grande Regular" panose="020B0600040502020204" pitchFamily="34" charset="0"/>
               </a:rPr>
               <a:t>College of Chemistry</a:t>
-            </a:r>
-          </a:p>
-          <a:p>
-            <a:r>
-              <a:rPr lang="en-US" sz="2000" dirty="0">
-                <a:solidFill>
-                  <a:schemeClr val="bg1"/>
-                </a:solidFill>
-                <a:latin typeface="Lucida Grande Regular" panose="020B0600040502020204" pitchFamily="34" charset="0"/>
-                <a:cs typeface="Lucida Grande Regular" panose="020B0600040502020204" pitchFamily="34" charset="0"/>
-              </a:rPr>
-              <a:t>College of Engineering</a:t>
             </a:r>
           </a:p>
         </p:txBody>
@@ -8855,7 +8843,7 @@
               <a:rPr lang="en-US" sz="3600" dirty="0">
                 <a:latin typeface="FreightSans Pro Book" panose="02000606030000020004" pitchFamily="2" charset="0"/>
               </a:rPr>
-              <a:t>https://msse-chem-280-2023.github.io/</a:t>
+              <a:t>https://msse-chem-280-2024.github.io/</a:t>
             </a:r>
           </a:p>
         </p:txBody>
